--- a/doc/MetaTransformation_plugin.pptx
+++ b/doc/MetaTransformation_plugin.pptx
@@ -17,6 +17,7 @@
     <p:sldId id="265" r:id="rId16"/>
     <p:sldId id="266" r:id="rId17"/>
     <p:sldId id="267" r:id="rId18"/>
+    <p:sldId id="268" r:id="rId19"/>
   </p:sldIdLst>
   <p:sldSz cx="9144000" cy="6858000" type="screen4x3"/>
   <p:notesSz cx="6858000" cy="9144000"/>
@@ -4255,6 +4256,692 @@
             <a:br/>
             <a:r>
               <a:t>(调试/监控)</a:t>
+            </a:r>
+          </a:p>
+        </p:txBody>
+      </p:sp>
+    </p:spTree>
+  </p:cSld>
+  <p:clrMapOvr>
+    <a:masterClrMapping/>
+  </p:clrMapOvr>
+</p:sld>
+</file>
+
+<file path=ppt/slides/slide13.xml><?xml version="1.0" encoding="utf-8"?>
+<p:sld xmlns:a="http://schemas.openxmlformats.org/drawingml/2006/main" xmlns:p="http://schemas.openxmlformats.org/presentationml/2006/main" xmlns:r="http://schemas.openxmlformats.org/officeDocument/2006/relationships">
+  <p:cSld>
+    <p:bg>
+      <p:bgPr>
+        <a:solidFill>
+          <a:srgbClr val="08162D"/>
+        </a:solidFill>
+        <a:effectLst/>
+      </p:bgPr>
+    </p:bg>
+    <p:spTree>
+      <p:nvGrpSpPr>
+        <p:cNvPr id="1" name=""/>
+        <p:cNvGrpSpPr/>
+        <p:nvPr/>
+      </p:nvGrpSpPr>
+      <p:grpSpPr/>
+      <p:sp>
+        <p:nvSpPr>
+          <p:cNvPr id="2" name="Title 1"/>
+          <p:cNvSpPr>
+            <a:spLocks noGrp="1"/>
+          </p:cNvSpPr>
+          <p:nvPr>
+            <p:ph type="title"/>
+          </p:nvPr>
+        </p:nvSpPr>
+        <p:spPr/>
+        <p:txBody>
+          <a:bodyPr/>
+          <a:lstStyle/>
+          <a:p>
+            <a:pPr>
+              <a:defRPr>
+                <a:solidFill>
+                  <a:srgbClr val="F3F7FF"/>
+                </a:solidFill>
+              </a:defRPr>
+            </a:pPr>
+            <a:r>
+              <a:t>CHIR 阶段插件执行流程</a:t>
+            </a:r>
+          </a:p>
+        </p:txBody>
+      </p:sp>
+      <p:sp>
+        <p:nvSpPr>
+          <p:cNvPr id="3" name="Oval 2"/>
+          <p:cNvSpPr/>
+          <p:nvPr/>
+        </p:nvSpPr>
+        <p:spPr>
+          <a:xfrm>
+            <a:off x="8046720" y="274320"/>
+            <a:ext cx="822960" cy="822960"/>
+          </a:xfrm>
+          <a:prstGeom prst="ellipse">
+            <a:avLst/>
+          </a:prstGeom>
+          <a:solidFill>
+            <a:srgbClr val="00CEAD"/>
+          </a:solidFill>
+          <a:ln>
+            <a:solidFill>
+              <a:srgbClr val="00A4FF"/>
+            </a:solidFill>
+          </a:ln>
+        </p:spPr>
+        <p:style>
+          <a:lnRef idx="1">
+            <a:schemeClr val="accent1"/>
+          </a:lnRef>
+          <a:fillRef idx="3">
+            <a:schemeClr val="accent1"/>
+          </a:fillRef>
+          <a:effectRef idx="2">
+            <a:schemeClr val="accent1"/>
+          </a:effectRef>
+          <a:fontRef idx="minor">
+            <a:schemeClr val="lt1"/>
+          </a:fontRef>
+        </p:style>
+        <p:txBody>
+          <a:bodyPr rtlCol="0" anchor="ctr"/>
+          <a:lstStyle/>
+          <a:p>
+            <a:pPr algn="ctr">
+              <a:defRPr sz="2600" b="1">
+                <a:solidFill>
+                  <a:srgbClr val="181C28"/>
+                </a:solidFill>
+              </a:defRPr>
+            </a:pPr>
+            <a:r>
+              <a:t>CJ</a:t>
+            </a:r>
+          </a:p>
+        </p:txBody>
+      </p:sp>
+      <p:sp>
+        <p:nvSpPr>
+          <p:cNvPr id="4" name="Rounded Rectangle 3"/>
+          <p:cNvSpPr/>
+          <p:nvPr/>
+        </p:nvSpPr>
+        <p:spPr>
+          <a:xfrm>
+            <a:off x="731520" y="1463040"/>
+            <a:ext cx="7863840" cy="3474720"/>
+          </a:xfrm>
+          <a:prstGeom prst="roundRect">
+            <a:avLst/>
+          </a:prstGeom>
+          <a:solidFill>
+            <a:srgbClr val="18233E"/>
+          </a:solidFill>
+          <a:ln>
+            <a:solidFill>
+              <a:srgbClr val="00CEAD"/>
+            </a:solidFill>
+          </a:ln>
+        </p:spPr>
+        <p:style>
+          <a:lnRef idx="1">
+            <a:schemeClr val="accent1"/>
+          </a:lnRef>
+          <a:fillRef idx="3">
+            <a:schemeClr val="accent1"/>
+          </a:fillRef>
+          <a:effectRef idx="2">
+            <a:schemeClr val="accent1"/>
+          </a:effectRef>
+          <a:fontRef idx="minor">
+            <a:schemeClr val="lt1"/>
+          </a:fontRef>
+        </p:style>
+        <p:txBody>
+          <a:bodyPr rtlCol="0" anchor="ctr"/>
+          <a:lstStyle/>
+          <a:p>
+            <a:pPr algn="ctr"/>
+          </a:p>
+        </p:txBody>
+      </p:sp>
+      <p:sp>
+        <p:nvSpPr>
+          <p:cNvPr id="5" name="Rounded Rectangle 4"/>
+          <p:cNvSpPr/>
+          <p:nvPr/>
+        </p:nvSpPr>
+        <p:spPr>
+          <a:xfrm>
+            <a:off x="1097280" y="1920240"/>
+            <a:ext cx="1554480" cy="1097280"/>
+          </a:xfrm>
+          <a:prstGeom prst="roundRect">
+            <a:avLst/>
+          </a:prstGeom>
+          <a:solidFill>
+            <a:srgbClr val="00A4FF"/>
+          </a:solidFill>
+          <a:ln>
+            <a:solidFill>
+              <a:srgbClr val="F3F7FF"/>
+            </a:solidFill>
+          </a:ln>
+        </p:spPr>
+        <p:style>
+          <a:lnRef idx="1">
+            <a:schemeClr val="accent1"/>
+          </a:lnRef>
+          <a:fillRef idx="3">
+            <a:schemeClr val="accent1"/>
+          </a:fillRef>
+          <a:effectRef idx="2">
+            <a:schemeClr val="accent1"/>
+          </a:effectRef>
+          <a:fontRef idx="minor">
+            <a:schemeClr val="lt1"/>
+          </a:fontRef>
+        </p:style>
+        <p:txBody>
+          <a:bodyPr rtlCol="0" anchor="ctr"/>
+          <a:lstStyle/>
+          <a:p>
+            <a:pPr algn="ctr">
+              <a:defRPr sz="1600" b="1">
+                <a:solidFill>
+                  <a:srgbClr val="F3F7FF"/>
+                </a:solidFill>
+              </a:defRPr>
+            </a:pPr>
+            <a:r>
+              <a:t>CHIR Builder 初始化</a:t>
+            </a:r>
+          </a:p>
+          <a:p>
+            <a:pPr>
+              <a:defRPr sz="1300">
+                <a:solidFill>
+                  <a:srgbClr val="F3F7FF"/>
+                </a:solidFill>
+              </a:defRPr>
+            </a:pPr>
+            <a:r>
+              <a:t>ci.metaTransformPluginBuilder.BuildCHIRPluginManager</a:t>
+            </a:r>
+          </a:p>
+        </p:txBody>
+      </p:sp>
+      <p:sp>
+        <p:nvSpPr>
+          <p:cNvPr id="6" name="Rounded Rectangle 5"/>
+          <p:cNvSpPr/>
+          <p:nvPr/>
+        </p:nvSpPr>
+        <p:spPr>
+          <a:xfrm>
+            <a:off x="3017520" y="1920240"/>
+            <a:ext cx="1554480" cy="1097280"/>
+          </a:xfrm>
+          <a:prstGeom prst="roundRect">
+            <a:avLst/>
+          </a:prstGeom>
+          <a:solidFill>
+            <a:srgbClr val="9966FF"/>
+          </a:solidFill>
+          <a:ln>
+            <a:solidFill>
+              <a:srgbClr val="F3F7FF"/>
+            </a:solidFill>
+          </a:ln>
+        </p:spPr>
+        <p:style>
+          <a:lnRef idx="1">
+            <a:schemeClr val="accent1"/>
+          </a:lnRef>
+          <a:fillRef idx="3">
+            <a:schemeClr val="accent1"/>
+          </a:fillRef>
+          <a:effectRef idx="2">
+            <a:schemeClr val="accent1"/>
+          </a:effectRef>
+          <a:fontRef idx="minor">
+            <a:schemeClr val="lt1"/>
+          </a:fontRef>
+        </p:style>
+        <p:txBody>
+          <a:bodyPr rtlCol="0" anchor="ctr"/>
+          <a:lstStyle/>
+          <a:p>
+            <a:pPr algn="ctr">
+              <a:defRPr sz="1600" b="1">
+                <a:solidFill>
+                  <a:srgbClr val="F3F7FF"/>
+                </a:solidFill>
+              </a:defRPr>
+            </a:pPr>
+            <a:r>
+              <a:t>遍历插件概念</a:t>
+            </a:r>
+          </a:p>
+          <a:p>
+            <a:pPr>
+              <a:defRPr sz="1300">
+                <a:solidFill>
+                  <a:srgbClr val="F3F7FF"/>
+                </a:solidFill>
+              </a:defRPr>
+            </a:pPr>
+            <a:r>
+              <a:t>ForEachMetaTransformConcept</a:t>
+            </a:r>
+          </a:p>
+        </p:txBody>
+      </p:sp>
+      <p:sp>
+        <p:nvSpPr>
+          <p:cNvPr id="7" name="Right Arrow 6"/>
+          <p:cNvSpPr/>
+          <p:nvPr/>
+        </p:nvSpPr>
+        <p:spPr>
+          <a:xfrm>
+            <a:off x="2761488" y="2286000"/>
+            <a:ext cx="256031" cy="365760"/>
+          </a:xfrm>
+          <a:prstGeom prst="rightArrow">
+            <a:avLst/>
+          </a:prstGeom>
+          <a:solidFill>
+            <a:srgbClr val="00CEAD"/>
+          </a:solidFill>
+          <a:ln/>
+        </p:spPr>
+        <p:style>
+          <a:lnRef idx="1">
+            <a:schemeClr val="accent1"/>
+          </a:lnRef>
+          <a:fillRef idx="3">
+            <a:schemeClr val="accent1"/>
+          </a:fillRef>
+          <a:effectRef idx="2">
+            <a:schemeClr val="accent1"/>
+          </a:effectRef>
+          <a:fontRef idx="minor">
+            <a:schemeClr val="lt1"/>
+          </a:fontRef>
+        </p:style>
+        <p:txBody>
+          <a:bodyPr rtlCol="0" anchor="ctr"/>
+          <a:lstStyle/>
+          <a:p>
+            <a:pPr algn="ctr"/>
+          </a:p>
+        </p:txBody>
+      </p:sp>
+      <p:sp>
+        <p:nvSpPr>
+          <p:cNvPr id="8" name="Rounded Rectangle 7"/>
+          <p:cNvSpPr/>
+          <p:nvPr/>
+        </p:nvSpPr>
+        <p:spPr>
+          <a:xfrm>
+            <a:off x="4937760" y="1920240"/>
+            <a:ext cx="1554480" cy="1097280"/>
+          </a:xfrm>
+          <a:prstGeom prst="roundRect">
+            <a:avLst/>
+          </a:prstGeom>
+          <a:solidFill>
+            <a:srgbClr val="00A4FF"/>
+          </a:solidFill>
+          <a:ln>
+            <a:solidFill>
+              <a:srgbClr val="F3F7FF"/>
+            </a:solidFill>
+          </a:ln>
+        </p:spPr>
+        <p:style>
+          <a:lnRef idx="1">
+            <a:schemeClr val="accent1"/>
+          </a:lnRef>
+          <a:fillRef idx="3">
+            <a:schemeClr val="accent1"/>
+          </a:fillRef>
+          <a:effectRef idx="2">
+            <a:schemeClr val="accent1"/>
+          </a:effectRef>
+          <a:fontRef idx="minor">
+            <a:schemeClr val="lt1"/>
+          </a:fontRef>
+        </p:style>
+        <p:txBody>
+          <a:bodyPr rtlCol="0" anchor="ctr"/>
+          <a:lstStyle/>
+          <a:p>
+            <a:pPr algn="ctr">
+              <a:defRPr sz="1600" b="1">
+                <a:solidFill>
+                  <a:srgbClr val="F3F7FF"/>
+                </a:solidFill>
+              </a:defRPr>
+            </a:pPr>
+            <a:r>
+              <a:t>类别判定</a:t>
+            </a:r>
+          </a:p>
+          <a:p>
+            <a:pPr>
+              <a:defRPr sz="1300">
+                <a:solidFill>
+                  <a:srgbClr val="F3F7FF"/>
+                </a:solidFill>
+              </a:defRPr>
+            </a:pPr>
+            <a:r>
+              <a:t>IsForFunc / IsForPackage</a:t>
+            </a:r>
+          </a:p>
+        </p:txBody>
+      </p:sp>
+      <p:sp>
+        <p:nvSpPr>
+          <p:cNvPr id="9" name="Right Arrow 8"/>
+          <p:cNvSpPr/>
+          <p:nvPr/>
+        </p:nvSpPr>
+        <p:spPr>
+          <a:xfrm>
+            <a:off x="4681728" y="2286000"/>
+            <a:ext cx="256031" cy="365760"/>
+          </a:xfrm>
+          <a:prstGeom prst="rightArrow">
+            <a:avLst/>
+          </a:prstGeom>
+          <a:solidFill>
+            <a:srgbClr val="00CEAD"/>
+          </a:solidFill>
+          <a:ln/>
+        </p:spPr>
+        <p:style>
+          <a:lnRef idx="1">
+            <a:schemeClr val="accent1"/>
+          </a:lnRef>
+          <a:fillRef idx="3">
+            <a:schemeClr val="accent1"/>
+          </a:fillRef>
+          <a:effectRef idx="2">
+            <a:schemeClr val="accent1"/>
+          </a:effectRef>
+          <a:fontRef idx="minor">
+            <a:schemeClr val="lt1"/>
+          </a:fontRef>
+        </p:style>
+        <p:txBody>
+          <a:bodyPr rtlCol="0" anchor="ctr"/>
+          <a:lstStyle/>
+          <a:p>
+            <a:pPr algn="ctr"/>
+          </a:p>
+        </p:txBody>
+      </p:sp>
+      <p:sp>
+        <p:nvSpPr>
+          <p:cNvPr id="10" name="Rounded Rectangle 9"/>
+          <p:cNvSpPr/>
+          <p:nvPr/>
+        </p:nvSpPr>
+        <p:spPr>
+          <a:xfrm>
+            <a:off x="6858000" y="1920240"/>
+            <a:ext cx="1554480" cy="1097280"/>
+          </a:xfrm>
+          <a:prstGeom prst="roundRect">
+            <a:avLst/>
+          </a:prstGeom>
+          <a:solidFill>
+            <a:srgbClr val="9966FF"/>
+          </a:solidFill>
+          <a:ln>
+            <a:solidFill>
+              <a:srgbClr val="F3F7FF"/>
+            </a:solidFill>
+          </a:ln>
+        </p:spPr>
+        <p:style>
+          <a:lnRef idx="1">
+            <a:schemeClr val="accent1"/>
+          </a:lnRef>
+          <a:fillRef idx="3">
+            <a:schemeClr val="accent1"/>
+          </a:fillRef>
+          <a:effectRef idx="2">
+            <a:schemeClr val="accent1"/>
+          </a:effectRef>
+          <a:fontRef idx="minor">
+            <a:schemeClr val="lt1"/>
+          </a:fontRef>
+        </p:style>
+        <p:txBody>
+          <a:bodyPr rtlCol="0" anchor="ctr"/>
+          <a:lstStyle/>
+          <a:p>
+            <a:pPr algn="ctr">
+              <a:defRPr sz="1600" b="1">
+                <a:solidFill>
+                  <a:srgbClr val="F3F7FF"/>
+                </a:solidFill>
+              </a:defRPr>
+            </a:pPr>
+            <a:r>
+              <a:t>执行 Run</a:t>
+            </a:r>
+          </a:p>
+          <a:p>
+            <a:pPr>
+              <a:defRPr sz="1300">
+                <a:solidFill>
+                  <a:srgbClr val="F3F7FF"/>
+                </a:solidFill>
+              </a:defRPr>
+            </a:pPr>
+            <a:r>
+              <a:t>函数级：遍历 funcs</a:t>
+            </a:r>
+            <a:br/>
+            <a:r>
+              <a:t>包级：直接运行</a:t>
+            </a:r>
+          </a:p>
+        </p:txBody>
+      </p:sp>
+      <p:sp>
+        <p:nvSpPr>
+          <p:cNvPr id="11" name="Right Arrow 10"/>
+          <p:cNvSpPr/>
+          <p:nvPr/>
+        </p:nvSpPr>
+        <p:spPr>
+          <a:xfrm>
+            <a:off x="6601968" y="2286000"/>
+            <a:ext cx="256031" cy="365760"/>
+          </a:xfrm>
+          <a:prstGeom prst="rightArrow">
+            <a:avLst/>
+          </a:prstGeom>
+          <a:solidFill>
+            <a:srgbClr val="00CEAD"/>
+          </a:solidFill>
+          <a:ln/>
+        </p:spPr>
+        <p:style>
+          <a:lnRef idx="1">
+            <a:schemeClr val="accent1"/>
+          </a:lnRef>
+          <a:fillRef idx="3">
+            <a:schemeClr val="accent1"/>
+          </a:fillRef>
+          <a:effectRef idx="2">
+            <a:schemeClr val="accent1"/>
+          </a:effectRef>
+          <a:fontRef idx="minor">
+            <a:schemeClr val="lt1"/>
+          </a:fontRef>
+        </p:style>
+        <p:txBody>
+          <a:bodyPr rtlCol="0" anchor="ctr"/>
+          <a:lstStyle/>
+          <a:p>
+            <a:pPr algn="ctr"/>
+          </a:p>
+        </p:txBody>
+      </p:sp>
+      <p:sp>
+        <p:nvSpPr>
+          <p:cNvPr id="12" name="Rounded Rectangle 11"/>
+          <p:cNvSpPr/>
+          <p:nvPr/>
+        </p:nvSpPr>
+        <p:spPr>
+          <a:xfrm>
+            <a:off x="8778240" y="1920240"/>
+            <a:ext cx="1554480" cy="1097280"/>
+          </a:xfrm>
+          <a:prstGeom prst="roundRect">
+            <a:avLst/>
+          </a:prstGeom>
+          <a:solidFill>
+            <a:srgbClr val="00A4FF"/>
+          </a:solidFill>
+          <a:ln>
+            <a:solidFill>
+              <a:srgbClr val="F3F7FF"/>
+            </a:solidFill>
+          </a:ln>
+        </p:spPr>
+        <p:style>
+          <a:lnRef idx="1">
+            <a:schemeClr val="accent1"/>
+          </a:lnRef>
+          <a:fillRef idx="3">
+            <a:schemeClr val="accent1"/>
+          </a:fillRef>
+          <a:effectRef idx="2">
+            <a:schemeClr val="accent1"/>
+          </a:effectRef>
+          <a:fontRef idx="minor">
+            <a:schemeClr val="lt1"/>
+          </a:fontRef>
+        </p:style>
+        <p:txBody>
+          <a:bodyPr rtlCol="0" anchor="ctr"/>
+          <a:lstStyle/>
+          <a:p>
+            <a:pPr algn="ctr">
+              <a:defRPr sz="1600" b="1">
+                <a:solidFill>
+                  <a:srgbClr val="F3F7FF"/>
+                </a:solidFill>
+              </a:defRPr>
+            </a:pPr>
+            <a:r>
+              <a:t>质量保障</a:t>
+            </a:r>
+          </a:p>
+          <a:p>
+            <a:pPr>
+              <a:defRPr sz="1300">
+                <a:solidFill>
+                  <a:srgbClr val="F3F7FF"/>
+                </a:solidFill>
+              </a:defRPr>
+            </a:pPr>
+            <a:r>
+              <a:t>Profile 记录 + IRCheck / 异常诊断</a:t>
+            </a:r>
+          </a:p>
+        </p:txBody>
+      </p:sp>
+      <p:sp>
+        <p:nvSpPr>
+          <p:cNvPr id="13" name="Right Arrow 12"/>
+          <p:cNvSpPr/>
+          <p:nvPr/>
+        </p:nvSpPr>
+        <p:spPr>
+          <a:xfrm>
+            <a:off x="8522208" y="2286000"/>
+            <a:ext cx="256031" cy="365760"/>
+          </a:xfrm>
+          <a:prstGeom prst="rightArrow">
+            <a:avLst/>
+          </a:prstGeom>
+          <a:solidFill>
+            <a:srgbClr val="00CEAD"/>
+          </a:solidFill>
+          <a:ln/>
+        </p:spPr>
+        <p:style>
+          <a:lnRef idx="1">
+            <a:schemeClr val="accent1"/>
+          </a:lnRef>
+          <a:fillRef idx="3">
+            <a:schemeClr val="accent1"/>
+          </a:fillRef>
+          <a:effectRef idx="2">
+            <a:schemeClr val="accent1"/>
+          </a:effectRef>
+          <a:fontRef idx="minor">
+            <a:schemeClr val="lt1"/>
+          </a:fontRef>
+        </p:style>
+        <p:txBody>
+          <a:bodyPr rtlCol="0" anchor="ctr"/>
+          <a:lstStyle/>
+          <a:p>
+            <a:pPr algn="ctr"/>
+          </a:p>
+        </p:txBody>
+      </p:sp>
+      <p:sp>
+        <p:nvSpPr>
+          <p:cNvPr id="14" name="TextBox 13"/>
+          <p:cNvSpPr txBox="1"/>
+          <p:nvPr/>
+        </p:nvSpPr>
+        <p:spPr>
+          <a:xfrm>
+            <a:off x="1188720" y="4206240"/>
+            <a:ext cx="6949440" cy="822960"/>
+          </a:xfrm>
+          <a:prstGeom prst="rect">
+            <a:avLst/>
+          </a:prstGeom>
+          <a:noFill/>
+        </p:spPr>
+        <p:txBody>
+          <a:bodyPr wrap="none">
+            <a:spAutoFit/>
+          </a:bodyPr>
+          <a:lstStyle/>
+          <a:p>
+            <a:pPr>
+              <a:defRPr sz="1600">
+                <a:solidFill>
+                  <a:srgbClr val="F3F7FF"/>
+                </a:solidFill>
+              </a:defRPr>
+            </a:pPr>
+            <a:r>
+              <a:t>异常：捕获后触发诊断 plugin_throws_exception；成功且启用 IRCheck 时校验变换合法性。</a:t>
             </a:r>
           </a:p>
         </p:txBody>
